--- a/Sharpest++/Chapter 29 - Callable Elements.pptx
+++ b/Sharpest++/Chapter 29 - Callable Elements.pptx
@@ -251,7 +251,7 @@
           <a:p>
             <a:fld id="{14064E1B-EADF-46E0-B2CF-CBBF37D915B3}" type="datetimeFigureOut">
               <a:rPr lang="ko-KR" altLang="en-US" smtClean="0"/>
-              <a:t>2019-08-28</a:t>
+              <a:t>2019-09-10</a:t>
             </a:fld>
             <a:endParaRPr lang="ko-KR" altLang="en-US"/>
           </a:p>
@@ -4987,6 +4987,14 @@
               <a:rPr lang="en-US" altLang="ko-KR" dirty="0"/>
               <a:t>A. </a:t>
             </a:r>
+            <a:r>
+              <a:rPr lang="ko-KR" altLang="en-US" dirty="0"/>
+              <a:t>슬라이드 참고</a:t>
+            </a:r>
+            <a:r>
+              <a:rPr lang="en-US" altLang="ko-KR" dirty="0"/>
+              <a:t>.</a:t>
+            </a:r>
           </a:p>
         </p:txBody>
       </p:sp>
@@ -5400,7 +5408,7 @@
           <a:p>
             <a:fld id="{9FD3C816-E8FD-4807-9C0F-99A78AC38099}" type="datetimeFigureOut">
               <a:rPr lang="ko-KR" altLang="en-US" smtClean="0"/>
-              <a:t>2019-08-28</a:t>
+              <a:t>2019-09-10</a:t>
             </a:fld>
             <a:endParaRPr lang="ko-KR" altLang="en-US"/>
           </a:p>
@@ -5568,7 +5576,7 @@
           <a:p>
             <a:fld id="{9FD3C816-E8FD-4807-9C0F-99A78AC38099}" type="datetimeFigureOut">
               <a:rPr lang="ko-KR" altLang="en-US" smtClean="0"/>
-              <a:t>2019-08-28</a:t>
+              <a:t>2019-09-10</a:t>
             </a:fld>
             <a:endParaRPr lang="ko-KR" altLang="en-US"/>
           </a:p>
@@ -5746,7 +5754,7 @@
           <a:p>
             <a:fld id="{9FD3C816-E8FD-4807-9C0F-99A78AC38099}" type="datetimeFigureOut">
               <a:rPr lang="ko-KR" altLang="en-US" smtClean="0"/>
-              <a:t>2019-08-28</a:t>
+              <a:t>2019-09-10</a:t>
             </a:fld>
             <a:endParaRPr lang="ko-KR" altLang="en-US"/>
           </a:p>
@@ -5914,7 +5922,7 @@
           <a:p>
             <a:fld id="{9FD3C816-E8FD-4807-9C0F-99A78AC38099}" type="datetimeFigureOut">
               <a:rPr lang="ko-KR" altLang="en-US" smtClean="0"/>
-              <a:t>2019-08-28</a:t>
+              <a:t>2019-09-10</a:t>
             </a:fld>
             <a:endParaRPr lang="ko-KR" altLang="en-US"/>
           </a:p>
@@ -6159,7 +6167,7 @@
           <a:p>
             <a:fld id="{9FD3C816-E8FD-4807-9C0F-99A78AC38099}" type="datetimeFigureOut">
               <a:rPr lang="ko-KR" altLang="en-US" smtClean="0"/>
-              <a:t>2019-08-28</a:t>
+              <a:t>2019-09-10</a:t>
             </a:fld>
             <a:endParaRPr lang="ko-KR" altLang="en-US"/>
           </a:p>
@@ -6444,7 +6452,7 @@
           <a:p>
             <a:fld id="{9FD3C816-E8FD-4807-9C0F-99A78AC38099}" type="datetimeFigureOut">
               <a:rPr lang="ko-KR" altLang="en-US" smtClean="0"/>
-              <a:t>2019-08-28</a:t>
+              <a:t>2019-09-10</a:t>
             </a:fld>
             <a:endParaRPr lang="ko-KR" altLang="en-US"/>
           </a:p>
@@ -6868,7 +6876,7 @@
           <a:p>
             <a:fld id="{9FD3C816-E8FD-4807-9C0F-99A78AC38099}" type="datetimeFigureOut">
               <a:rPr lang="ko-KR" altLang="en-US" smtClean="0"/>
-              <a:t>2019-08-28</a:t>
+              <a:t>2019-09-10</a:t>
             </a:fld>
             <a:endParaRPr lang="ko-KR" altLang="en-US"/>
           </a:p>
@@ -6985,7 +6993,7 @@
           <a:p>
             <a:fld id="{9FD3C816-E8FD-4807-9C0F-99A78AC38099}" type="datetimeFigureOut">
               <a:rPr lang="ko-KR" altLang="en-US" smtClean="0"/>
-              <a:t>2019-08-28</a:t>
+              <a:t>2019-09-10</a:t>
             </a:fld>
             <a:endParaRPr lang="ko-KR" altLang="en-US"/>
           </a:p>
@@ -7080,7 +7088,7 @@
           <a:p>
             <a:fld id="{9FD3C816-E8FD-4807-9C0F-99A78AC38099}" type="datetimeFigureOut">
               <a:rPr lang="ko-KR" altLang="en-US" smtClean="0"/>
-              <a:t>2019-08-28</a:t>
+              <a:t>2019-09-10</a:t>
             </a:fld>
             <a:endParaRPr lang="ko-KR" altLang="en-US"/>
           </a:p>
@@ -7355,7 +7363,7 @@
           <a:p>
             <a:fld id="{9FD3C816-E8FD-4807-9C0F-99A78AC38099}" type="datetimeFigureOut">
               <a:rPr lang="ko-KR" altLang="en-US" smtClean="0"/>
-              <a:t>2019-08-28</a:t>
+              <a:t>2019-09-10</a:t>
             </a:fld>
             <a:endParaRPr lang="ko-KR" altLang="en-US"/>
           </a:p>
@@ -7607,7 +7615,7 @@
           <a:p>
             <a:fld id="{9FD3C816-E8FD-4807-9C0F-99A78AC38099}" type="datetimeFigureOut">
               <a:rPr lang="ko-KR" altLang="en-US" smtClean="0"/>
-              <a:t>2019-08-28</a:t>
+              <a:t>2019-09-10</a:t>
             </a:fld>
             <a:endParaRPr lang="ko-KR" altLang="en-US"/>
           </a:p>
@@ -7828,7 +7836,7 @@
           <a:p>
             <a:fld id="{9FD3C816-E8FD-4807-9C0F-99A78AC38099}" type="datetimeFigureOut">
               <a:rPr lang="ko-KR" altLang="en-US" smtClean="0"/>
-              <a:t>2019-08-28</a:t>
+              <a:t>2019-09-10</a:t>
             </a:fld>
             <a:endParaRPr lang="ko-KR" altLang="en-US"/>
           </a:p>
@@ -38115,7 +38123,7 @@
                 <a:latin typeface="야놀자 야체 R" panose="02020603020101020101" pitchFamily="18" charset="-127"/>
                 <a:ea typeface="야놀자 야체 R" panose="02020603020101020101" pitchFamily="18" charset="-127"/>
               </a:rPr>
-              <a:t> 반환 타입을 컴파일라가 유추할 수 있는 경우</a:t>
+              <a:t> 반환 타입을 컴파일러가 유추할 수 있는 경우</a:t>
             </a:r>
             <a:r>
               <a:rPr lang="en-US" altLang="ko-KR" sz="2800" dirty="0">
